--- a/Präsentation_Idee/BigData_Engineering_Project_Concept.pptx
+++ b/Präsentation_Idee/BigData_Engineering_Project_Concept.pptx
@@ -3185,27 +3185,14 @@
             </a:r>
             <a:r>
               <a:rPr lang="en-US" dirty="0" smtClean="0"/>
-              <a:t> </a:t>
-            </a:r>
-            <a:r>
-              <a:rPr lang="en-US" dirty="0" smtClean="0"/>
-              <a:t>1: </a:t>
-            </a:r>
-            <a:endParaRPr lang="en-US" dirty="0" smtClean="0"/>
+              <a:t> 1: </a:t>
+            </a:r>
           </a:p>
           <a:p>
             <a:pPr algn="ctr"/>
             <a:r>
               <a:rPr lang="en-US" dirty="0" smtClean="0"/>
-              <a:t>Input: </a:t>
-            </a:r>
-            <a:r>
-              <a:rPr lang="en-US" dirty="0" smtClean="0"/>
-              <a:t>Datum</a:t>
-            </a:r>
-            <a:r>
-              <a:rPr lang="en-US" dirty="0" smtClean="0"/>
-              <a:t/>
+              <a:t>Input: Datum</a:t>
             </a:r>
             <a:br>
               <a:rPr lang="en-US" dirty="0" smtClean="0"/>
@@ -3222,7 +3209,6 @@
               <a:rPr lang="en-US" dirty="0" smtClean="0"/>
               <a:t> je Datum</a:t>
             </a:r>
-            <a:endParaRPr lang="en-US" dirty="0" smtClean="0"/>
           </a:p>
         </p:txBody>
       </p:sp>
@@ -3334,15 +3320,7 @@
                   <a:srgbClr val="FF0000"/>
                 </a:solidFill>
               </a:rPr>
-              <a:t>(HDFS</a:t>
-            </a:r>
-            <a:r>
-              <a:rPr lang="en-US" dirty="0" smtClean="0">
-                <a:solidFill>
-                  <a:srgbClr val="FF0000"/>
-                </a:solidFill>
-              </a:rPr>
-              <a:t>)</a:t>
+              <a:t>(HDFS)</a:t>
             </a:r>
             <a:endParaRPr lang="en-US" dirty="0">
               <a:solidFill>
@@ -3718,7 +3696,6 @@
               <a:rPr lang="en-US" sz="1600" dirty="0"/>
               <a:t>Details</a:t>
             </a:r>
-            <a:endParaRPr lang="en-US" sz="1600" dirty="0"/>
           </a:p>
         </p:txBody>
       </p:sp>
@@ -3832,11 +3809,7 @@
             <a:pPr algn="ctr"/>
             <a:r>
               <a:rPr lang="en-US" dirty="0" smtClean="0"/>
-              <a:t>Database </a:t>
-            </a:r>
-            <a:r>
-              <a:rPr lang="en-US" dirty="0" smtClean="0"/>
-              <a:t>Server</a:t>
+              <a:t>Database Server</a:t>
             </a:r>
             <a:endParaRPr lang="en-US" dirty="0"/>
           </a:p>
@@ -4301,27 +4274,14 @@
             </a:r>
             <a:r>
               <a:rPr lang="en-US" dirty="0" smtClean="0"/>
-              <a:t> </a:t>
-            </a:r>
-            <a:r>
-              <a:rPr lang="en-US" dirty="0" smtClean="0"/>
-              <a:t>1: </a:t>
-            </a:r>
-            <a:endParaRPr lang="en-US" dirty="0" smtClean="0"/>
+              <a:t> 1: </a:t>
+            </a:r>
           </a:p>
           <a:p>
             <a:pPr algn="ctr"/>
             <a:r>
               <a:rPr lang="en-US" dirty="0" smtClean="0"/>
-              <a:t>Input: </a:t>
-            </a:r>
-            <a:r>
-              <a:rPr lang="en-US" dirty="0" smtClean="0"/>
-              <a:t>Datum</a:t>
-            </a:r>
-            <a:r>
-              <a:rPr lang="en-US" dirty="0" smtClean="0"/>
-              <a:t/>
+              <a:t>Input: Datum</a:t>
             </a:r>
             <a:br>
               <a:rPr lang="en-US" dirty="0" smtClean="0"/>
@@ -4338,7 +4298,6 @@
               <a:rPr lang="en-US" dirty="0" smtClean="0"/>
               <a:t> je Datum</a:t>
             </a:r>
-            <a:endParaRPr lang="en-US" dirty="0" smtClean="0"/>
           </a:p>
         </p:txBody>
       </p:sp>
@@ -4767,7 +4726,6 @@
               <a:rPr lang="en-US" sz="1600" dirty="0"/>
               <a:t>Details</a:t>
             </a:r>
-            <a:endParaRPr lang="en-US" sz="1600" dirty="0"/>
           </a:p>
         </p:txBody>
       </p:sp>
@@ -4881,11 +4839,7 @@
             <a:pPr algn="ctr"/>
             <a:r>
               <a:rPr lang="en-US" dirty="0" smtClean="0"/>
-              <a:t>Database </a:t>
-            </a:r>
-            <a:r>
-              <a:rPr lang="en-US" dirty="0" smtClean="0"/>
-              <a:t>Server</a:t>
+              <a:t>Database Server</a:t>
             </a:r>
           </a:p>
           <a:p>
